--- a/Project_Files/Sprint7/FreBies FOR NewBIES midterm.pptx
+++ b/Project_Files/Sprint7/FreBies FOR NewBIES midterm.pptx
@@ -5,7 +5,7 @@
     <p:sldMasterId id="2147483660" r:id="rId1"/>
   </p:sldMasterIdLst>
   <p:notesMasterIdLst>
-    <p:notesMasterId r:id="rId9"/>
+    <p:notesMasterId r:id="rId13"/>
   </p:notesMasterIdLst>
   <p:sldIdLst>
     <p:sldId id="256" r:id="rId2"/>
@@ -15,6 +15,10 @@
     <p:sldId id="308" r:id="rId6"/>
     <p:sldId id="309" r:id="rId7"/>
     <p:sldId id="302" r:id="rId8"/>
+    <p:sldId id="303" r:id="rId9"/>
+    <p:sldId id="304" r:id="rId10"/>
+    <p:sldId id="305" r:id="rId11"/>
+    <p:sldId id="306" r:id="rId12"/>
   </p:sldIdLst>
   <p:sldSz cx="12192000" cy="6858000"/>
   <p:notesSz cx="6858000" cy="9144000"/>
@@ -124,13 +128,65 @@
 <file path=ppt/revisionInfo.xml><?xml version="1.0" encoding="utf-8"?>
 <p1510:revInfo xmlns:a="http://schemas.openxmlformats.org/drawingml/2006/main" xmlns:r="http://schemas.openxmlformats.org/officeDocument/2006/relationships" xmlns:p1510="http://schemas.microsoft.com/office/powerpoint/2015/10/main">
   <p1510:revLst>
-    <p1510:client id="{46460727-534D-4DDA-83BD-46271C16BD22}" v="1" dt="2022-10-04T19:15:53.891"/>
+    <p1510:client id="{A67F3A85-2741-425A-8BAF-53469FFB6D2D}" v="4" dt="2022-10-07T21:03:59.986"/>
   </p1510:revLst>
 </p1510:revInfo>
 </file>
 
 <file path=ppt/changesInfos/changesInfo1.xml><?xml version="1.0" encoding="utf-8"?>
 <pc:chgInfo xmlns:a="http://schemas.openxmlformats.org/drawingml/2006/main" xmlns:r="http://schemas.openxmlformats.org/officeDocument/2006/relationships" xmlns:ac="http://schemas.microsoft.com/office/drawing/2013/main/command" xmlns:pc="http://schemas.microsoft.com/office/powerpoint/2013/main/command">
+  <pc:docChgLst>
+    <pc:chgData name="Gude,Manoj Kumar" userId="0e353df1-568e-4a01-a0b1-bd99741cd871" providerId="ADAL" clId="{A67F3A85-2741-425A-8BAF-53469FFB6D2D}"/>
+    <pc:docChg chg="undo custSel addSld modSld">
+      <pc:chgData name="Gude,Manoj Kumar" userId="0e353df1-568e-4a01-a0b1-bd99741cd871" providerId="ADAL" clId="{A67F3A85-2741-425A-8BAF-53469FFB6D2D}" dt="2022-10-07T21:03:59.984" v="5"/>
+      <pc:docMkLst>
+        <pc:docMk/>
+      </pc:docMkLst>
+      <pc:sldChg chg="addSp delSp mod">
+        <pc:chgData name="Gude,Manoj Kumar" userId="0e353df1-568e-4a01-a0b1-bd99741cd871" providerId="ADAL" clId="{A67F3A85-2741-425A-8BAF-53469FFB6D2D}" dt="2022-10-07T21:03:22.005" v="1" actId="22"/>
+        <pc:sldMkLst>
+          <pc:docMk/>
+          <pc:sldMk cId="1306538480" sldId="302"/>
+        </pc:sldMkLst>
+        <pc:spChg chg="add del">
+          <ac:chgData name="Gude,Manoj Kumar" userId="0e353df1-568e-4a01-a0b1-bd99741cd871" providerId="ADAL" clId="{A67F3A85-2741-425A-8BAF-53469FFB6D2D}" dt="2022-10-07T21:03:22.005" v="1" actId="22"/>
+          <ac:spMkLst>
+            <pc:docMk/>
+            <pc:sldMk cId="1306538480" sldId="302"/>
+            <ac:spMk id="9" creationId="{D0AA41D3-F7AF-1C01-A488-DCDEB0DA23CC}"/>
+          </ac:spMkLst>
+        </pc:spChg>
+      </pc:sldChg>
+      <pc:sldChg chg="add">
+        <pc:chgData name="Gude,Manoj Kumar" userId="0e353df1-568e-4a01-a0b1-bd99741cd871" providerId="ADAL" clId="{A67F3A85-2741-425A-8BAF-53469FFB6D2D}" dt="2022-10-07T21:03:40.211" v="2"/>
+        <pc:sldMkLst>
+          <pc:docMk/>
+          <pc:sldMk cId="2085130646" sldId="303"/>
+        </pc:sldMkLst>
+      </pc:sldChg>
+      <pc:sldChg chg="add">
+        <pc:chgData name="Gude,Manoj Kumar" userId="0e353df1-568e-4a01-a0b1-bd99741cd871" providerId="ADAL" clId="{A67F3A85-2741-425A-8BAF-53469FFB6D2D}" dt="2022-10-07T21:03:47.471" v="3"/>
+        <pc:sldMkLst>
+          <pc:docMk/>
+          <pc:sldMk cId="1306490679" sldId="304"/>
+        </pc:sldMkLst>
+      </pc:sldChg>
+      <pc:sldChg chg="add">
+        <pc:chgData name="Gude,Manoj Kumar" userId="0e353df1-568e-4a01-a0b1-bd99741cd871" providerId="ADAL" clId="{A67F3A85-2741-425A-8BAF-53469FFB6D2D}" dt="2022-10-07T21:03:52.397" v="4"/>
+        <pc:sldMkLst>
+          <pc:docMk/>
+          <pc:sldMk cId="1757665219" sldId="305"/>
+        </pc:sldMkLst>
+      </pc:sldChg>
+      <pc:sldChg chg="add">
+        <pc:chgData name="Gude,Manoj Kumar" userId="0e353df1-568e-4a01-a0b1-bd99741cd871" providerId="ADAL" clId="{A67F3A85-2741-425A-8BAF-53469FFB6D2D}" dt="2022-10-07T21:03:59.984" v="5"/>
+        <pc:sldMkLst>
+          <pc:docMk/>
+          <pc:sldMk cId="2873227494" sldId="306"/>
+        </pc:sldMkLst>
+      </pc:sldChg>
+    </pc:docChg>
+  </pc:docChgLst>
   <pc:docChgLst>
     <pc:chgData name="Mulakalapalli,Jaichand" userId="a3680caf-10e5-4540-ae62-1e7229e4db6c" providerId="ADAL" clId="{46460727-534D-4DDA-83BD-46271C16BD22}"/>
     <pc:docChg chg="modSld">
@@ -32528,6 +32584,647 @@
 </p:sld>
 </file>
 
+<file path=ppt/slides/slide10.xml><?xml version="1.0" encoding="utf-8"?>
+<p:sld xmlns:a="http://schemas.openxmlformats.org/drawingml/2006/main" xmlns:r="http://schemas.openxmlformats.org/officeDocument/2006/relationships" xmlns:p="http://schemas.openxmlformats.org/presentationml/2006/main">
+  <p:cSld>
+    <p:spTree>
+      <p:nvGrpSpPr>
+        <p:cNvPr id="1" name=""/>
+        <p:cNvGrpSpPr/>
+        <p:nvPr/>
+      </p:nvGrpSpPr>
+      <p:grpSpPr>
+        <a:xfrm>
+          <a:off x="0" y="0"/>
+          <a:ext cx="0" cy="0"/>
+          <a:chOff x="0" y="0"/>
+          <a:chExt cx="0" cy="0"/>
+        </a:xfrm>
+      </p:grpSpPr>
+      <p:sp>
+        <p:nvSpPr>
+          <p:cNvPr id="2" name="Title 1">
+            <a:extLst>
+              <a:ext uri="{FF2B5EF4-FFF2-40B4-BE49-F238E27FC236}">
+                <a16:creationId xmlns:a16="http://schemas.microsoft.com/office/drawing/2014/main" id="{8E00E072-DDCB-89C0-32E5-B5DB3CCEE25F}"/>
+              </a:ext>
+            </a:extLst>
+          </p:cNvPr>
+          <p:cNvSpPr>
+            <a:spLocks noGrp="1"/>
+          </p:cNvSpPr>
+          <p:nvPr>
+            <p:ph type="title"/>
+          </p:nvPr>
+        </p:nvSpPr>
+        <p:spPr>
+          <a:xfrm>
+            <a:off x="1024128" y="585216"/>
+            <a:ext cx="5902061" cy="1499616"/>
+          </a:xfrm>
+        </p:spPr>
+        <p:txBody>
+          <a:bodyPr>
+            <a:normAutofit/>
+          </a:bodyPr>
+          <a:lstStyle/>
+          <a:p>
+            <a:r>
+              <a:rPr lang="en-US" dirty="0"/>
+              <a:t>Registration page</a:t>
+            </a:r>
+          </a:p>
+        </p:txBody>
+      </p:sp>
+      <p:sp>
+        <p:nvSpPr>
+          <p:cNvPr id="11" name="Content Placeholder 10">
+            <a:extLst>
+              <a:ext uri="{FF2B5EF4-FFF2-40B4-BE49-F238E27FC236}">
+                <a16:creationId xmlns:a16="http://schemas.microsoft.com/office/drawing/2014/main" id="{ED24A403-BC06-C45C-BC13-685C3616B9B3}"/>
+              </a:ext>
+            </a:extLst>
+          </p:cNvPr>
+          <p:cNvSpPr>
+            <a:spLocks noGrp="1"/>
+          </p:cNvSpPr>
+          <p:nvPr>
+            <p:ph idx="1"/>
+          </p:nvPr>
+        </p:nvSpPr>
+        <p:spPr>
+          <a:xfrm>
+            <a:off x="1024128" y="2286000"/>
+            <a:ext cx="5902061" cy="3931920"/>
+          </a:xfrm>
+        </p:spPr>
+        <p:txBody>
+          <a:bodyPr>
+            <a:normAutofit/>
+          </a:bodyPr>
+          <a:lstStyle/>
+          <a:p>
+            <a:pPr>
+              <a:buFont typeface="Wingdings" panose="05000000000000000000" pitchFamily="2" charset="2"/>
+              <a:buChar char="Ø"/>
+            </a:pPr>
+            <a:r>
+              <a:rPr lang="en-US" dirty="0"/>
+              <a:t>Added text view for registration to view the title of the activity.</a:t>
+            </a:r>
+          </a:p>
+          <a:p>
+            <a:pPr>
+              <a:buFont typeface="Wingdings" panose="05000000000000000000" pitchFamily="2" charset="2"/>
+              <a:buChar char="Ø"/>
+            </a:pPr>
+            <a:r>
+              <a:rPr lang="en-US" dirty="0"/>
+              <a:t>Edit view such as First name, last name, enter email, username, enter phone number , enter password, re-enter password.</a:t>
+            </a:r>
+          </a:p>
+          <a:p>
+            <a:pPr>
+              <a:buFont typeface="Wingdings" panose="05000000000000000000" pitchFamily="2" charset="2"/>
+              <a:buChar char="Ø"/>
+            </a:pPr>
+            <a:r>
+              <a:rPr lang="en-US" dirty="0"/>
+              <a:t>Entering user details in edit view to register.</a:t>
+            </a:r>
+          </a:p>
+          <a:p>
+            <a:pPr>
+              <a:buFont typeface="Wingdings" panose="05000000000000000000" pitchFamily="2" charset="2"/>
+              <a:buChar char="Ø"/>
+            </a:pPr>
+            <a:r>
+              <a:rPr lang="en-US" dirty="0"/>
+              <a:t>Button register is to register as a user by entering details.</a:t>
+            </a:r>
+          </a:p>
+          <a:p>
+            <a:pPr>
+              <a:buFont typeface="Wingdings" panose="05000000000000000000" pitchFamily="2" charset="2"/>
+              <a:buChar char="Ø"/>
+            </a:pPr>
+            <a:r>
+              <a:rPr lang="en-US" dirty="0"/>
+              <a:t>Button already have an account and sign in here to redirect to login page.</a:t>
+            </a:r>
+          </a:p>
+        </p:txBody>
+      </p:sp>
+      <p:sp>
+        <p:nvSpPr>
+          <p:cNvPr id="4" name="Footer Placeholder 3">
+            <a:extLst>
+              <a:ext uri="{FF2B5EF4-FFF2-40B4-BE49-F238E27FC236}">
+                <a16:creationId xmlns:a16="http://schemas.microsoft.com/office/drawing/2014/main" id="{F5E28269-9FE5-0B70-9921-197629FC3579}"/>
+              </a:ext>
+            </a:extLst>
+          </p:cNvPr>
+          <p:cNvSpPr>
+            <a:spLocks noGrp="1"/>
+          </p:cNvSpPr>
+          <p:nvPr>
+            <p:ph type="ftr" sz="quarter" idx="11"/>
+          </p:nvPr>
+        </p:nvSpPr>
+        <p:spPr>
+          <a:xfrm>
+            <a:off x="1024128" y="6470704"/>
+            <a:ext cx="5901459" cy="274320"/>
+          </a:xfrm>
+        </p:spPr>
+        <p:txBody>
+          <a:bodyPr>
+            <a:normAutofit/>
+          </a:bodyPr>
+          <a:lstStyle/>
+          <a:p>
+            <a:pPr algn="l">
+              <a:spcAft>
+                <a:spcPts val="600"/>
+              </a:spcAft>
+            </a:pPr>
+            <a:r>
+              <a:rPr lang="en-US" dirty="0"/>
+              <a:t>Presented by: Manoj Kumar Gude</a:t>
+            </a:r>
+          </a:p>
+        </p:txBody>
+      </p:sp>
+      <p:sp>
+        <p:nvSpPr>
+          <p:cNvPr id="5" name="Slide Number Placeholder 4">
+            <a:extLst>
+              <a:ext uri="{FF2B5EF4-FFF2-40B4-BE49-F238E27FC236}">
+                <a16:creationId xmlns:a16="http://schemas.microsoft.com/office/drawing/2014/main" id="{E45537E1-89EE-C65B-C4B5-7858A60F3633}"/>
+              </a:ext>
+            </a:extLst>
+          </p:cNvPr>
+          <p:cNvSpPr>
+            <a:spLocks noGrp="1"/>
+          </p:cNvSpPr>
+          <p:nvPr>
+            <p:ph type="sldNum" sz="quarter" idx="12"/>
+          </p:nvPr>
+        </p:nvSpPr>
+        <p:spPr>
+          <a:xfrm>
+            <a:off x="10837333" y="6470704"/>
+            <a:ext cx="973667" cy="274320"/>
+          </a:xfrm>
+        </p:spPr>
+        <p:txBody>
+          <a:bodyPr>
+            <a:normAutofit/>
+          </a:bodyPr>
+          <a:lstStyle/>
+          <a:p>
+            <a:pPr>
+              <a:spcAft>
+                <a:spcPts val="600"/>
+              </a:spcAft>
+            </a:pPr>
+            <a:fld id="{B7714B7D-F657-49B8-A454-8111EBD273BB}" type="slidenum">
+              <a:rPr lang="en-US" smtClean="0"/>
+              <a:pPr>
+                <a:spcAft>
+                  <a:spcPts val="600"/>
+                </a:spcAft>
+              </a:pPr>
+              <a:t>10</a:t>
+            </a:fld>
+            <a:endParaRPr lang="en-US" dirty="0"/>
+          </a:p>
+        </p:txBody>
+      </p:sp>
+      <p:grpSp>
+        <p:nvGrpSpPr>
+          <p:cNvPr id="13" name="Group 12">
+            <a:extLst>
+              <a:ext uri="{FF2B5EF4-FFF2-40B4-BE49-F238E27FC236}">
+                <a16:creationId xmlns:a16="http://schemas.microsoft.com/office/drawing/2014/main" id="{8C277E88-8BAE-76B6-DC20-D874BBD17188}"/>
+              </a:ext>
+            </a:extLst>
+          </p:cNvPr>
+          <p:cNvGrpSpPr/>
+          <p:nvPr/>
+        </p:nvGrpSpPr>
+        <p:grpSpPr>
+          <a:xfrm>
+            <a:off x="7462138" y="294198"/>
+            <a:ext cx="3705734" cy="6030236"/>
+            <a:chOff x="7462138" y="294198"/>
+            <a:chExt cx="3705734" cy="6030236"/>
+          </a:xfrm>
+        </p:grpSpPr>
+        <p:pic>
+          <p:nvPicPr>
+            <p:cNvPr id="8" name="Picture 7">
+              <a:extLst>
+                <a:ext uri="{FF2B5EF4-FFF2-40B4-BE49-F238E27FC236}">
+                  <a16:creationId xmlns:a16="http://schemas.microsoft.com/office/drawing/2014/main" id="{E497197E-A443-EB5E-6F66-340730316931}"/>
+                </a:ext>
+              </a:extLst>
+            </p:cNvPr>
+            <p:cNvPicPr>
+              <a:picLocks noChangeAspect="1"/>
+            </p:cNvPicPr>
+            <p:nvPr/>
+          </p:nvPicPr>
+          <p:blipFill>
+            <a:blip r:embed="rId2"/>
+            <a:stretch>
+              <a:fillRect/>
+            </a:stretch>
+          </p:blipFill>
+          <p:spPr>
+            <a:xfrm>
+              <a:off x="7462138" y="294198"/>
+              <a:ext cx="3705734" cy="5883965"/>
+            </a:xfrm>
+            <a:prstGeom prst="rect">
+              <a:avLst/>
+            </a:prstGeom>
+          </p:spPr>
+        </p:pic>
+        <p:sp>
+          <p:nvSpPr>
+            <p:cNvPr id="3" name="TextBox 2">
+              <a:extLst>
+                <a:ext uri="{FF2B5EF4-FFF2-40B4-BE49-F238E27FC236}">
+                  <a16:creationId xmlns:a16="http://schemas.microsoft.com/office/drawing/2014/main" id="{75331A91-0AB8-00C5-520D-9C95D21FEBBC}"/>
+                </a:ext>
+              </a:extLst>
+            </p:cNvPr>
+            <p:cNvSpPr txBox="1"/>
+            <p:nvPr/>
+          </p:nvSpPr>
+          <p:spPr>
+            <a:xfrm>
+              <a:off x="7867374" y="5955102"/>
+              <a:ext cx="3039533" cy="369332"/>
+            </a:xfrm>
+            <a:prstGeom prst="rect">
+              <a:avLst/>
+            </a:prstGeom>
+            <a:noFill/>
+          </p:spPr>
+          <p:txBody>
+            <a:bodyPr wrap="square" rtlCol="0">
+              <a:spAutoFit/>
+            </a:bodyPr>
+            <a:lstStyle/>
+            <a:p>
+              <a:r>
+                <a:rPr lang="en-US" b="1" dirty="0"/>
+                <a:t>Fig 4 </a:t>
+              </a:r>
+              <a:r>
+                <a:rPr lang="en-US" dirty="0"/>
+                <a:t>: Registration page login</a:t>
+              </a:r>
+            </a:p>
+          </p:txBody>
+        </p:sp>
+      </p:grpSp>
+    </p:spTree>
+    <p:extLst>
+      <p:ext uri="{BB962C8B-B14F-4D97-AF65-F5344CB8AC3E}">
+        <p14:creationId xmlns:p14="http://schemas.microsoft.com/office/powerpoint/2010/main" val="1757665219"/>
+      </p:ext>
+    </p:extLst>
+  </p:cSld>
+  <p:clrMapOvr>
+    <a:masterClrMapping/>
+  </p:clrMapOvr>
+</p:sld>
+</file>
+
+<file path=ppt/slides/slide11.xml><?xml version="1.0" encoding="utf-8"?>
+<p:sld xmlns:a="http://schemas.openxmlformats.org/drawingml/2006/main" xmlns:r="http://schemas.openxmlformats.org/officeDocument/2006/relationships" xmlns:p="http://schemas.openxmlformats.org/presentationml/2006/main">
+  <p:cSld>
+    <p:spTree>
+      <p:nvGrpSpPr>
+        <p:cNvPr id="1" name=""/>
+        <p:cNvGrpSpPr/>
+        <p:nvPr/>
+      </p:nvGrpSpPr>
+      <p:grpSpPr>
+        <a:xfrm>
+          <a:off x="0" y="0"/>
+          <a:ext cx="0" cy="0"/>
+          <a:chOff x="0" y="0"/>
+          <a:chExt cx="0" cy="0"/>
+        </a:xfrm>
+      </p:grpSpPr>
+      <p:sp>
+        <p:nvSpPr>
+          <p:cNvPr id="2" name="Title 1">
+            <a:extLst>
+              <a:ext uri="{FF2B5EF4-FFF2-40B4-BE49-F238E27FC236}">
+                <a16:creationId xmlns:a16="http://schemas.microsoft.com/office/drawing/2014/main" id="{C9A69446-550D-D332-37C9-1715133DCF41}"/>
+              </a:ext>
+            </a:extLst>
+          </p:cNvPr>
+          <p:cNvSpPr>
+            <a:spLocks noGrp="1"/>
+          </p:cNvSpPr>
+          <p:nvPr>
+            <p:ph type="title"/>
+          </p:nvPr>
+        </p:nvSpPr>
+        <p:spPr>
+          <a:xfrm>
+            <a:off x="1024128" y="585216"/>
+            <a:ext cx="5902061" cy="1499616"/>
+          </a:xfrm>
+        </p:spPr>
+        <p:txBody>
+          <a:bodyPr>
+            <a:normAutofit/>
+          </a:bodyPr>
+          <a:lstStyle/>
+          <a:p>
+            <a:r>
+              <a:rPr lang="en-US" dirty="0"/>
+              <a:t>Home PAGE ACTIVITY</a:t>
+            </a:r>
+          </a:p>
+        </p:txBody>
+      </p:sp>
+      <p:sp>
+        <p:nvSpPr>
+          <p:cNvPr id="11" name="Content Placeholder 10">
+            <a:extLst>
+              <a:ext uri="{FF2B5EF4-FFF2-40B4-BE49-F238E27FC236}">
+                <a16:creationId xmlns:a16="http://schemas.microsoft.com/office/drawing/2014/main" id="{E9AEE399-6A44-0381-FF8E-5A0D83C339C2}"/>
+              </a:ext>
+            </a:extLst>
+          </p:cNvPr>
+          <p:cNvSpPr>
+            <a:spLocks noGrp="1"/>
+          </p:cNvSpPr>
+          <p:nvPr>
+            <p:ph idx="1"/>
+          </p:nvPr>
+        </p:nvSpPr>
+        <p:spPr>
+          <a:xfrm>
+            <a:off x="1024128" y="2286000"/>
+            <a:ext cx="5902061" cy="3931920"/>
+          </a:xfrm>
+        </p:spPr>
+        <p:txBody>
+          <a:bodyPr>
+            <a:normAutofit/>
+          </a:bodyPr>
+          <a:lstStyle/>
+          <a:p>
+            <a:pPr>
+              <a:buFont typeface="Wingdings" panose="05000000000000000000" pitchFamily="2" charset="2"/>
+              <a:buChar char="Ø"/>
+            </a:pPr>
+            <a:r>
+              <a:rPr lang="en-US" dirty="0"/>
+              <a:t>Home page is the entry point to the user to what function he wants to do.</a:t>
+            </a:r>
+          </a:p>
+          <a:p>
+            <a:pPr>
+              <a:buFont typeface="Wingdings" panose="05000000000000000000" pitchFamily="2" charset="2"/>
+              <a:buChar char="Ø"/>
+            </a:pPr>
+            <a:r>
+              <a:rPr lang="en-US" dirty="0"/>
+              <a:t>If the user click on the free stuff the user can view free stuff available in that area.</a:t>
+            </a:r>
+          </a:p>
+          <a:p>
+            <a:pPr>
+              <a:buFont typeface="Wingdings" panose="05000000000000000000" pitchFamily="2" charset="2"/>
+              <a:buChar char="Ø"/>
+            </a:pPr>
+            <a:r>
+              <a:rPr lang="en-US" dirty="0"/>
+              <a:t>If the user click on events the user can view events happening in that area.</a:t>
+            </a:r>
+          </a:p>
+          <a:p>
+            <a:pPr>
+              <a:buFont typeface="Wingdings" panose="05000000000000000000" pitchFamily="2" charset="2"/>
+              <a:buChar char="Ø"/>
+            </a:pPr>
+            <a:r>
+              <a:rPr lang="en-US" dirty="0"/>
+              <a:t>Logout button is added to logout from the user account.</a:t>
+            </a:r>
+          </a:p>
+          <a:p>
+            <a:pPr>
+              <a:buFont typeface="Wingdings" panose="05000000000000000000" pitchFamily="2" charset="2"/>
+              <a:buChar char="Ø"/>
+            </a:pPr>
+            <a:r>
+              <a:rPr lang="en-US" dirty="0"/>
+              <a:t>Menu is to view the options in the application </a:t>
+            </a:r>
+          </a:p>
+        </p:txBody>
+      </p:sp>
+      <p:sp>
+        <p:nvSpPr>
+          <p:cNvPr id="4" name="Footer Placeholder 3">
+            <a:extLst>
+              <a:ext uri="{FF2B5EF4-FFF2-40B4-BE49-F238E27FC236}">
+                <a16:creationId xmlns:a16="http://schemas.microsoft.com/office/drawing/2014/main" id="{6091F6ED-6C67-582C-C426-F4FF3731A5B3}"/>
+              </a:ext>
+            </a:extLst>
+          </p:cNvPr>
+          <p:cNvSpPr>
+            <a:spLocks noGrp="1"/>
+          </p:cNvSpPr>
+          <p:nvPr>
+            <p:ph type="ftr" sz="quarter" idx="11"/>
+          </p:nvPr>
+        </p:nvSpPr>
+        <p:spPr>
+          <a:xfrm>
+            <a:off x="1024128" y="6470704"/>
+            <a:ext cx="5901459" cy="274320"/>
+          </a:xfrm>
+        </p:spPr>
+        <p:txBody>
+          <a:bodyPr>
+            <a:normAutofit/>
+          </a:bodyPr>
+          <a:lstStyle/>
+          <a:p>
+            <a:pPr algn="l">
+              <a:spcAft>
+                <a:spcPts val="600"/>
+              </a:spcAft>
+            </a:pPr>
+            <a:r>
+              <a:rPr lang="en-US" dirty="0"/>
+              <a:t>Presented by: Manoj Kumar Gude</a:t>
+            </a:r>
+          </a:p>
+        </p:txBody>
+      </p:sp>
+      <p:sp>
+        <p:nvSpPr>
+          <p:cNvPr id="5" name="Slide Number Placeholder 4">
+            <a:extLst>
+              <a:ext uri="{FF2B5EF4-FFF2-40B4-BE49-F238E27FC236}">
+                <a16:creationId xmlns:a16="http://schemas.microsoft.com/office/drawing/2014/main" id="{144236A2-1039-3D0C-16E8-E63B13549617}"/>
+              </a:ext>
+            </a:extLst>
+          </p:cNvPr>
+          <p:cNvSpPr>
+            <a:spLocks noGrp="1"/>
+          </p:cNvSpPr>
+          <p:nvPr>
+            <p:ph type="sldNum" sz="quarter" idx="12"/>
+          </p:nvPr>
+        </p:nvSpPr>
+        <p:spPr>
+          <a:xfrm>
+            <a:off x="10837333" y="6470704"/>
+            <a:ext cx="973667" cy="274320"/>
+          </a:xfrm>
+        </p:spPr>
+        <p:txBody>
+          <a:bodyPr>
+            <a:normAutofit/>
+          </a:bodyPr>
+          <a:lstStyle/>
+          <a:p>
+            <a:pPr>
+              <a:spcAft>
+                <a:spcPts val="600"/>
+              </a:spcAft>
+            </a:pPr>
+            <a:fld id="{B7714B7D-F657-49B8-A454-8111EBD273BB}" type="slidenum">
+              <a:rPr lang="en-US" smtClean="0"/>
+              <a:pPr>
+                <a:spcAft>
+                  <a:spcPts val="600"/>
+                </a:spcAft>
+              </a:pPr>
+              <a:t>11</a:t>
+            </a:fld>
+            <a:endParaRPr lang="en-US" dirty="0"/>
+          </a:p>
+        </p:txBody>
+      </p:sp>
+      <p:grpSp>
+        <p:nvGrpSpPr>
+          <p:cNvPr id="9" name="Group 8">
+            <a:extLst>
+              <a:ext uri="{FF2B5EF4-FFF2-40B4-BE49-F238E27FC236}">
+                <a16:creationId xmlns:a16="http://schemas.microsoft.com/office/drawing/2014/main" id="{C45308A0-423B-690B-CC47-DCA26DA07FF8}"/>
+              </a:ext>
+            </a:extLst>
+          </p:cNvPr>
+          <p:cNvGrpSpPr/>
+          <p:nvPr/>
+        </p:nvGrpSpPr>
+        <p:grpSpPr>
+          <a:xfrm>
+            <a:off x="7836957" y="966787"/>
+            <a:ext cx="3457575" cy="4907994"/>
+            <a:chOff x="7836957" y="966787"/>
+            <a:chExt cx="3457575" cy="4907994"/>
+          </a:xfrm>
+        </p:grpSpPr>
+        <p:sp>
+          <p:nvSpPr>
+            <p:cNvPr id="3" name="TextBox 2">
+              <a:extLst>
+                <a:ext uri="{FF2B5EF4-FFF2-40B4-BE49-F238E27FC236}">
+                  <a16:creationId xmlns:a16="http://schemas.microsoft.com/office/drawing/2014/main" id="{B782F52E-21BE-D21C-0395-4A6A52A59D8B}"/>
+                </a:ext>
+              </a:extLst>
+            </p:cNvPr>
+            <p:cNvSpPr txBox="1"/>
+            <p:nvPr/>
+          </p:nvSpPr>
+          <p:spPr>
+            <a:xfrm>
+              <a:off x="7836957" y="5505449"/>
+              <a:ext cx="3457575" cy="369332"/>
+            </a:xfrm>
+            <a:prstGeom prst="rect">
+              <a:avLst/>
+            </a:prstGeom>
+            <a:noFill/>
+          </p:spPr>
+          <p:txBody>
+            <a:bodyPr wrap="square" rtlCol="0">
+              <a:spAutoFit/>
+            </a:bodyPr>
+            <a:lstStyle/>
+            <a:p>
+              <a:pPr algn="ctr"/>
+              <a:r>
+                <a:rPr lang="en-US" b="1" dirty="0"/>
+                <a:t>Fig 5 : </a:t>
+              </a:r>
+              <a:r>
+                <a:rPr lang="en-US" dirty="0"/>
+                <a:t>Home Page activity page</a:t>
+              </a:r>
+            </a:p>
+          </p:txBody>
+        </p:sp>
+        <p:pic>
+          <p:nvPicPr>
+            <p:cNvPr id="8" name="Picture 7">
+              <a:extLst>
+                <a:ext uri="{FF2B5EF4-FFF2-40B4-BE49-F238E27FC236}">
+                  <a16:creationId xmlns:a16="http://schemas.microsoft.com/office/drawing/2014/main" id="{18B69BE3-6DAC-D253-1D7E-6684838ACA0A}"/>
+                </a:ext>
+              </a:extLst>
+            </p:cNvPr>
+            <p:cNvPicPr>
+              <a:picLocks noChangeAspect="1"/>
+            </p:cNvPicPr>
+            <p:nvPr/>
+          </p:nvPicPr>
+          <p:blipFill>
+            <a:blip r:embed="rId2"/>
+            <a:stretch>
+              <a:fillRect/>
+            </a:stretch>
+          </p:blipFill>
+          <p:spPr>
+            <a:xfrm>
+              <a:off x="8294158" y="966787"/>
+              <a:ext cx="2543175" cy="4543425"/>
+            </a:xfrm>
+            <a:prstGeom prst="rect">
+              <a:avLst/>
+            </a:prstGeom>
+          </p:spPr>
+        </p:pic>
+      </p:grpSp>
+    </p:spTree>
+    <p:extLst>
+      <p:ext uri="{BB962C8B-B14F-4D97-AF65-F5344CB8AC3E}">
+        <p14:creationId xmlns:p14="http://schemas.microsoft.com/office/powerpoint/2010/main" val="2873227494"/>
+      </p:ext>
+    </p:extLst>
+  </p:cSld>
+  <p:clrMapOvr>
+    <a:masterClrMapping/>
+  </p:clrMapOvr>
+</p:sld>
+</file>
+
 <file path=ppt/slides/slide2.xml><?xml version="1.0" encoding="utf-8"?>
 <p:sld xmlns:a="http://schemas.openxmlformats.org/drawingml/2006/main" xmlns:r="http://schemas.openxmlformats.org/officeDocument/2006/relationships" xmlns:p="http://schemas.openxmlformats.org/presentationml/2006/main">
   <p:cSld>
@@ -34194,6 +34891,702 @@
 </p:sld>
 </file>
 
+<file path=ppt/slides/slide8.xml><?xml version="1.0" encoding="utf-8"?>
+<p:sld xmlns:a="http://schemas.openxmlformats.org/drawingml/2006/main" xmlns:r="http://schemas.openxmlformats.org/officeDocument/2006/relationships" xmlns:p="http://schemas.openxmlformats.org/presentationml/2006/main">
+  <p:cSld>
+    <p:spTree>
+      <p:nvGrpSpPr>
+        <p:cNvPr id="1" name=""/>
+        <p:cNvGrpSpPr/>
+        <p:nvPr/>
+      </p:nvGrpSpPr>
+      <p:grpSpPr>
+        <a:xfrm>
+          <a:off x="0" y="0"/>
+          <a:ext cx="0" cy="0"/>
+          <a:chOff x="0" y="0"/>
+          <a:chExt cx="0" cy="0"/>
+        </a:xfrm>
+      </p:grpSpPr>
+      <p:sp>
+        <p:nvSpPr>
+          <p:cNvPr id="2" name="Title 1">
+            <a:extLst>
+              <a:ext uri="{FF2B5EF4-FFF2-40B4-BE49-F238E27FC236}">
+                <a16:creationId xmlns:a16="http://schemas.microsoft.com/office/drawing/2014/main" id="{455141D4-16D1-E860-33F7-7A9270A7B4BF}"/>
+              </a:ext>
+            </a:extLst>
+          </p:cNvPr>
+          <p:cNvSpPr>
+            <a:spLocks noGrp="1"/>
+          </p:cNvSpPr>
+          <p:nvPr>
+            <p:ph type="title"/>
+          </p:nvPr>
+        </p:nvSpPr>
+        <p:spPr>
+          <a:xfrm>
+            <a:off x="1024128" y="585216"/>
+            <a:ext cx="9720072" cy="1499616"/>
+          </a:xfrm>
+        </p:spPr>
+        <p:txBody>
+          <a:bodyPr>
+            <a:normAutofit/>
+          </a:bodyPr>
+          <a:lstStyle/>
+          <a:p>
+            <a:r>
+              <a:rPr lang="en-US" dirty="0"/>
+              <a:t>Layouts</a:t>
+            </a:r>
+          </a:p>
+        </p:txBody>
+      </p:sp>
+      <p:sp>
+        <p:nvSpPr>
+          <p:cNvPr id="13" name="Content Placeholder 10">
+            <a:extLst>
+              <a:ext uri="{FF2B5EF4-FFF2-40B4-BE49-F238E27FC236}">
+                <a16:creationId xmlns:a16="http://schemas.microsoft.com/office/drawing/2014/main" id="{8EA3A75E-4276-311F-D421-1B8822D3B6D0}"/>
+              </a:ext>
+            </a:extLst>
+          </p:cNvPr>
+          <p:cNvSpPr>
+            <a:spLocks noGrp="1"/>
+          </p:cNvSpPr>
+          <p:nvPr>
+            <p:ph idx="1"/>
+          </p:nvPr>
+        </p:nvSpPr>
+        <p:spPr>
+          <a:xfrm>
+            <a:off x="1024128" y="2286000"/>
+            <a:ext cx="4754880" cy="4023360"/>
+          </a:xfrm>
+        </p:spPr>
+        <p:txBody>
+          <a:bodyPr>
+            <a:normAutofit/>
+          </a:bodyPr>
+          <a:lstStyle/>
+          <a:p>
+            <a:pPr>
+              <a:buFont typeface="Wingdings" panose="05000000000000000000" pitchFamily="2" charset="2"/>
+              <a:buChar char="Ø"/>
+            </a:pPr>
+            <a:r>
+              <a:rPr lang="en-US" dirty="0"/>
+              <a:t>Here we used constraint layout, to develop the android UI</a:t>
+            </a:r>
+          </a:p>
+          <a:p>
+            <a:pPr>
+              <a:buFont typeface="Wingdings" panose="05000000000000000000" pitchFamily="2" charset="2"/>
+              <a:buChar char="Ø"/>
+            </a:pPr>
+            <a:r>
+              <a:rPr lang="en-US" dirty="0"/>
+              <a:t>Constraint layout is similar to all other layouts.</a:t>
+            </a:r>
+          </a:p>
+          <a:p>
+            <a:pPr>
+              <a:buFont typeface="Wingdings" panose="05000000000000000000" pitchFamily="2" charset="2"/>
+              <a:buChar char="Ø"/>
+            </a:pPr>
+            <a:r>
+              <a:rPr lang="en-US" i="0" dirty="0">
+                <a:solidFill>
+                  <a:srgbClr val="202124"/>
+                </a:solidFill>
+                <a:effectLst/>
+                <a:latin typeface="Tw Cen MT (Body)"/>
+              </a:rPr>
+              <a:t>A Constraint Layout is a View Group which allows you to position and size widgets in a flexible way.</a:t>
+            </a:r>
+          </a:p>
+          <a:p>
+            <a:pPr>
+              <a:buFont typeface="Wingdings" panose="05000000000000000000" pitchFamily="2" charset="2"/>
+              <a:buChar char="Ø"/>
+            </a:pPr>
+            <a:r>
+              <a:rPr lang="en-US" i="0" dirty="0">
+                <a:solidFill>
+                  <a:srgbClr val="202124"/>
+                </a:solidFill>
+                <a:effectLst/>
+                <a:latin typeface="Tw Cen MT (Body)"/>
+              </a:rPr>
+              <a:t>In this layout constraints add to the view on all four sides.</a:t>
+            </a:r>
+          </a:p>
+          <a:p>
+            <a:pPr>
+              <a:buFont typeface="Wingdings" panose="05000000000000000000" pitchFamily="2" charset="2"/>
+              <a:buChar char="Ø"/>
+            </a:pPr>
+            <a:endParaRPr lang="en-US" i="0" dirty="0">
+              <a:solidFill>
+                <a:srgbClr val="202124"/>
+              </a:solidFill>
+              <a:effectLst/>
+              <a:latin typeface="Tw Cen MT (Body)"/>
+            </a:endParaRPr>
+          </a:p>
+          <a:p>
+            <a:pPr>
+              <a:buFont typeface="Wingdings" panose="05000000000000000000" pitchFamily="2" charset="2"/>
+              <a:buChar char="Ø"/>
+            </a:pPr>
+            <a:endParaRPr lang="en-US" dirty="0">
+              <a:latin typeface="Tw Cen MT (Body)"/>
+            </a:endParaRPr>
+          </a:p>
+        </p:txBody>
+      </p:sp>
+      <p:sp>
+        <p:nvSpPr>
+          <p:cNvPr id="4" name="Footer Placeholder 3">
+            <a:extLst>
+              <a:ext uri="{FF2B5EF4-FFF2-40B4-BE49-F238E27FC236}">
+                <a16:creationId xmlns:a16="http://schemas.microsoft.com/office/drawing/2014/main" id="{DDF5D179-0D81-9BF7-44CB-4EDC5B85D245}"/>
+              </a:ext>
+            </a:extLst>
+          </p:cNvPr>
+          <p:cNvSpPr>
+            <a:spLocks noGrp="1"/>
+          </p:cNvSpPr>
+          <p:nvPr>
+            <p:ph type="ftr" sz="quarter" idx="11"/>
+          </p:nvPr>
+        </p:nvSpPr>
+        <p:spPr>
+          <a:xfrm>
+            <a:off x="1024128" y="6470704"/>
+            <a:ext cx="5901459" cy="274320"/>
+          </a:xfrm>
+        </p:spPr>
+        <p:txBody>
+          <a:bodyPr>
+            <a:normAutofit/>
+          </a:bodyPr>
+          <a:lstStyle/>
+          <a:p>
+            <a:pPr algn="l">
+              <a:spcAft>
+                <a:spcPts val="600"/>
+              </a:spcAft>
+            </a:pPr>
+            <a:r>
+              <a:rPr lang="en-US" dirty="0"/>
+              <a:t>Presented by: Manoj Kumar Gude</a:t>
+            </a:r>
+          </a:p>
+        </p:txBody>
+      </p:sp>
+      <p:sp>
+        <p:nvSpPr>
+          <p:cNvPr id="5" name="Slide Number Placeholder 4">
+            <a:extLst>
+              <a:ext uri="{FF2B5EF4-FFF2-40B4-BE49-F238E27FC236}">
+                <a16:creationId xmlns:a16="http://schemas.microsoft.com/office/drawing/2014/main" id="{81E8A91A-4BC4-A6ED-4AFA-2011060DE0C4}"/>
+              </a:ext>
+            </a:extLst>
+          </p:cNvPr>
+          <p:cNvSpPr>
+            <a:spLocks noGrp="1"/>
+          </p:cNvSpPr>
+          <p:nvPr>
+            <p:ph type="sldNum" sz="quarter" idx="12"/>
+          </p:nvPr>
+        </p:nvSpPr>
+        <p:spPr>
+          <a:xfrm>
+            <a:off x="10837333" y="6470704"/>
+            <a:ext cx="973667" cy="274320"/>
+          </a:xfrm>
+        </p:spPr>
+        <p:txBody>
+          <a:bodyPr>
+            <a:normAutofit/>
+          </a:bodyPr>
+          <a:lstStyle/>
+          <a:p>
+            <a:pPr>
+              <a:spcAft>
+                <a:spcPts val="600"/>
+              </a:spcAft>
+            </a:pPr>
+            <a:fld id="{B7714B7D-F657-49B8-A454-8111EBD273BB}" type="slidenum">
+              <a:rPr lang="en-US" smtClean="0"/>
+              <a:pPr>
+                <a:spcAft>
+                  <a:spcPts val="600"/>
+                </a:spcAft>
+              </a:pPr>
+              <a:t>8</a:t>
+            </a:fld>
+            <a:endParaRPr lang="en-US" dirty="0"/>
+          </a:p>
+        </p:txBody>
+      </p:sp>
+      <p:grpSp>
+        <p:nvGrpSpPr>
+          <p:cNvPr id="6" name="Group 5">
+            <a:extLst>
+              <a:ext uri="{FF2B5EF4-FFF2-40B4-BE49-F238E27FC236}">
+                <a16:creationId xmlns:a16="http://schemas.microsoft.com/office/drawing/2014/main" id="{BEE93B4C-95E2-DF0E-E490-E202AFB8EDFE}"/>
+              </a:ext>
+            </a:extLst>
+          </p:cNvPr>
+          <p:cNvGrpSpPr/>
+          <p:nvPr/>
+        </p:nvGrpSpPr>
+        <p:grpSpPr>
+          <a:xfrm>
+            <a:off x="6641594" y="1335024"/>
+            <a:ext cx="4526278" cy="4419981"/>
+            <a:chOff x="6641594" y="1335024"/>
+            <a:chExt cx="4526278" cy="4419981"/>
+          </a:xfrm>
+        </p:grpSpPr>
+        <p:pic>
+          <p:nvPicPr>
+            <p:cNvPr id="7" name="Content Placeholder 6">
+              <a:extLst>
+                <a:ext uri="{FF2B5EF4-FFF2-40B4-BE49-F238E27FC236}">
+                  <a16:creationId xmlns:a16="http://schemas.microsoft.com/office/drawing/2014/main" id="{5BC18B3F-DC93-EADF-56DE-6DE76D631934}"/>
+                </a:ext>
+              </a:extLst>
+            </p:cNvPr>
+            <p:cNvPicPr>
+              <a:picLocks noChangeAspect="1"/>
+            </p:cNvPicPr>
+            <p:nvPr/>
+          </p:nvPicPr>
+          <p:blipFill rotWithShape="1">
+            <a:blip r:embed="rId2"/>
+            <a:srcRect r="3252" b="2"/>
+            <a:stretch/>
+          </p:blipFill>
+          <p:spPr>
+            <a:xfrm>
+              <a:off x="6641594" y="1335024"/>
+              <a:ext cx="4526278" cy="4023360"/>
+            </a:xfrm>
+            <a:prstGeom prst="rect">
+              <a:avLst/>
+            </a:prstGeom>
+          </p:spPr>
+        </p:pic>
+        <p:sp>
+          <p:nvSpPr>
+            <p:cNvPr id="3" name="TextBox 2">
+              <a:extLst>
+                <a:ext uri="{FF2B5EF4-FFF2-40B4-BE49-F238E27FC236}">
+                  <a16:creationId xmlns:a16="http://schemas.microsoft.com/office/drawing/2014/main" id="{72710A09-E8C8-4DE7-C71B-6A099FFB9883}"/>
+                </a:ext>
+              </a:extLst>
+            </p:cNvPr>
+            <p:cNvSpPr txBox="1"/>
+            <p:nvPr/>
+          </p:nvSpPr>
+          <p:spPr>
+            <a:xfrm>
+              <a:off x="6641594" y="5381044"/>
+              <a:ext cx="4526278" cy="373961"/>
+            </a:xfrm>
+            <a:prstGeom prst="rect">
+              <a:avLst/>
+            </a:prstGeom>
+            <a:noFill/>
+          </p:spPr>
+          <p:txBody>
+            <a:bodyPr wrap="square" rtlCol="0">
+              <a:spAutoFit/>
+            </a:bodyPr>
+            <a:lstStyle/>
+            <a:p>
+              <a:pPr algn="ctr"/>
+              <a:r>
+                <a:rPr lang="en-US" b="1" dirty="0"/>
+                <a:t>Fig 2 : </a:t>
+              </a:r>
+              <a:r>
+                <a:rPr lang="en-US" dirty="0"/>
+                <a:t>Constraint layout code</a:t>
+              </a:r>
+            </a:p>
+          </p:txBody>
+        </p:sp>
+      </p:grpSp>
+    </p:spTree>
+    <p:extLst>
+      <p:ext uri="{BB962C8B-B14F-4D97-AF65-F5344CB8AC3E}">
+        <p14:creationId xmlns:p14="http://schemas.microsoft.com/office/powerpoint/2010/main" val="2085130646"/>
+      </p:ext>
+    </p:extLst>
+  </p:cSld>
+  <p:clrMapOvr>
+    <a:masterClrMapping/>
+  </p:clrMapOvr>
+</p:sld>
+</file>
+
+<file path=ppt/slides/slide9.xml><?xml version="1.0" encoding="utf-8"?>
+<p:sld xmlns:a="http://schemas.openxmlformats.org/drawingml/2006/main" xmlns:r="http://schemas.openxmlformats.org/officeDocument/2006/relationships" xmlns:p="http://schemas.openxmlformats.org/presentationml/2006/main">
+  <p:cSld>
+    <p:spTree>
+      <p:nvGrpSpPr>
+        <p:cNvPr id="1" name=""/>
+        <p:cNvGrpSpPr/>
+        <p:nvPr/>
+      </p:nvGrpSpPr>
+      <p:grpSpPr>
+        <a:xfrm>
+          <a:off x="0" y="0"/>
+          <a:ext cx="0" cy="0"/>
+          <a:chOff x="0" y="0"/>
+          <a:chExt cx="0" cy="0"/>
+        </a:xfrm>
+      </p:grpSpPr>
+      <p:sp>
+        <p:nvSpPr>
+          <p:cNvPr id="2" name="Title 1">
+            <a:extLst>
+              <a:ext uri="{FF2B5EF4-FFF2-40B4-BE49-F238E27FC236}">
+                <a16:creationId xmlns:a16="http://schemas.microsoft.com/office/drawing/2014/main" id="{66361E4B-9885-FE1A-4008-9AF01BABD715}"/>
+              </a:ext>
+            </a:extLst>
+          </p:cNvPr>
+          <p:cNvSpPr>
+            <a:spLocks noGrp="1"/>
+          </p:cNvSpPr>
+          <p:nvPr>
+            <p:ph type="title"/>
+          </p:nvPr>
+        </p:nvSpPr>
+        <p:spPr>
+          <a:xfrm>
+            <a:off x="1024128" y="545459"/>
+            <a:ext cx="5902061" cy="1499616"/>
+          </a:xfrm>
+        </p:spPr>
+        <p:txBody>
+          <a:bodyPr>
+            <a:normAutofit/>
+          </a:bodyPr>
+          <a:lstStyle/>
+          <a:p>
+            <a:r>
+              <a:rPr lang="en-US" dirty="0"/>
+              <a:t>LOGIN Activity</a:t>
+            </a:r>
+          </a:p>
+        </p:txBody>
+      </p:sp>
+      <p:sp>
+        <p:nvSpPr>
+          <p:cNvPr id="3" name="Content Placeholder 2">
+            <a:extLst>
+              <a:ext uri="{FF2B5EF4-FFF2-40B4-BE49-F238E27FC236}">
+                <a16:creationId xmlns:a16="http://schemas.microsoft.com/office/drawing/2014/main" id="{D964DD6C-248B-7266-C811-EB7A43A7E8B8}"/>
+              </a:ext>
+            </a:extLst>
+          </p:cNvPr>
+          <p:cNvSpPr>
+            <a:spLocks noGrp="1"/>
+          </p:cNvSpPr>
+          <p:nvPr>
+            <p:ph idx="1"/>
+          </p:nvPr>
+        </p:nvSpPr>
+        <p:spPr>
+          <a:xfrm>
+            <a:off x="1024128" y="2286000"/>
+            <a:ext cx="5902061" cy="3931920"/>
+          </a:xfrm>
+        </p:spPr>
+        <p:txBody>
+          <a:bodyPr>
+            <a:normAutofit/>
+          </a:bodyPr>
+          <a:lstStyle/>
+          <a:p>
+            <a:pPr>
+              <a:buFont typeface="Wingdings" panose="05000000000000000000" pitchFamily="2" charset="2"/>
+              <a:buChar char="Ø"/>
+            </a:pPr>
+            <a:r>
+              <a:rPr lang="en-US" dirty="0"/>
+              <a:t>As of now , we designed three activities login page activity, Registration page activity and home page activity.</a:t>
+            </a:r>
+          </a:p>
+          <a:p>
+            <a:pPr>
+              <a:buFont typeface="Wingdings" panose="05000000000000000000" pitchFamily="2" charset="2"/>
+              <a:buChar char="Ø"/>
+            </a:pPr>
+            <a:r>
+              <a:rPr lang="en-US" dirty="0"/>
+              <a:t>For the login page we added text view hello newbies.</a:t>
+            </a:r>
+          </a:p>
+          <a:p>
+            <a:pPr>
+              <a:buFont typeface="Wingdings" panose="05000000000000000000" pitchFamily="2" charset="2"/>
+              <a:buChar char="Ø"/>
+            </a:pPr>
+            <a:r>
+              <a:rPr lang="en-US" dirty="0"/>
+              <a:t>Edit Text to enter the email id and password.</a:t>
+            </a:r>
+          </a:p>
+          <a:p>
+            <a:pPr>
+              <a:buFont typeface="Wingdings" panose="05000000000000000000" pitchFamily="2" charset="2"/>
+              <a:buChar char="Ø"/>
+            </a:pPr>
+            <a:r>
+              <a:rPr lang="en-US" dirty="0"/>
+              <a:t>Button forgot username and forgot password.</a:t>
+            </a:r>
+          </a:p>
+          <a:p>
+            <a:pPr>
+              <a:buFont typeface="Wingdings" panose="05000000000000000000" pitchFamily="2" charset="2"/>
+              <a:buChar char="Ø"/>
+            </a:pPr>
+            <a:r>
+              <a:rPr lang="en-US" dirty="0"/>
+              <a:t>Button sign into login.</a:t>
+            </a:r>
+          </a:p>
+          <a:p>
+            <a:pPr>
+              <a:buFont typeface="Wingdings" panose="05000000000000000000" pitchFamily="2" charset="2"/>
+              <a:buChar char="Ø"/>
+            </a:pPr>
+            <a:r>
+              <a:rPr lang="en-US" dirty="0"/>
+              <a:t>Button signup/register to register a new account.</a:t>
+            </a:r>
+          </a:p>
+          <a:p>
+            <a:pPr>
+              <a:buFont typeface="Wingdings" panose="05000000000000000000" pitchFamily="2" charset="2"/>
+              <a:buChar char="Ø"/>
+            </a:pPr>
+            <a:endParaRPr lang="en-US" dirty="0"/>
+          </a:p>
+          <a:p>
+            <a:pPr>
+              <a:buFont typeface="Wingdings" panose="05000000000000000000" pitchFamily="2" charset="2"/>
+              <a:buChar char="Ø"/>
+            </a:pPr>
+            <a:endParaRPr lang="en-US" dirty="0"/>
+          </a:p>
+          <a:p>
+            <a:pPr>
+              <a:buFont typeface="Wingdings" panose="05000000000000000000" pitchFamily="2" charset="2"/>
+              <a:buChar char="Ø"/>
+            </a:pPr>
+            <a:endParaRPr lang="en-US" dirty="0"/>
+          </a:p>
+        </p:txBody>
+      </p:sp>
+      <p:sp>
+        <p:nvSpPr>
+          <p:cNvPr id="4" name="Footer Placeholder 3">
+            <a:extLst>
+              <a:ext uri="{FF2B5EF4-FFF2-40B4-BE49-F238E27FC236}">
+                <a16:creationId xmlns:a16="http://schemas.microsoft.com/office/drawing/2014/main" id="{F3D89101-E7F0-2DA4-9FEC-3BA879FE08FE}"/>
+              </a:ext>
+            </a:extLst>
+          </p:cNvPr>
+          <p:cNvSpPr>
+            <a:spLocks noGrp="1"/>
+          </p:cNvSpPr>
+          <p:nvPr>
+            <p:ph type="ftr" sz="quarter" idx="11"/>
+          </p:nvPr>
+        </p:nvSpPr>
+        <p:spPr>
+          <a:xfrm>
+            <a:off x="1024730" y="6470704"/>
+            <a:ext cx="5901459" cy="274320"/>
+          </a:xfrm>
+        </p:spPr>
+        <p:txBody>
+          <a:bodyPr>
+            <a:normAutofit/>
+          </a:bodyPr>
+          <a:lstStyle/>
+          <a:p>
+            <a:pPr algn="l">
+              <a:spcAft>
+                <a:spcPts val="600"/>
+              </a:spcAft>
+            </a:pPr>
+            <a:r>
+              <a:rPr lang="en-US" dirty="0"/>
+              <a:t>Presented by: Manoj Kumar Gude</a:t>
+            </a:r>
+          </a:p>
+        </p:txBody>
+      </p:sp>
+      <p:sp>
+        <p:nvSpPr>
+          <p:cNvPr id="5" name="Slide Number Placeholder 4">
+            <a:extLst>
+              <a:ext uri="{FF2B5EF4-FFF2-40B4-BE49-F238E27FC236}">
+                <a16:creationId xmlns:a16="http://schemas.microsoft.com/office/drawing/2014/main" id="{412F7B71-CEF3-DE42-9486-EFCE1B771D4F}"/>
+              </a:ext>
+            </a:extLst>
+          </p:cNvPr>
+          <p:cNvSpPr>
+            <a:spLocks noGrp="1"/>
+          </p:cNvSpPr>
+          <p:nvPr>
+            <p:ph type="sldNum" sz="quarter" idx="12"/>
+          </p:nvPr>
+        </p:nvSpPr>
+        <p:spPr>
+          <a:xfrm>
+            <a:off x="10837333" y="6470704"/>
+            <a:ext cx="973667" cy="274320"/>
+          </a:xfrm>
+        </p:spPr>
+        <p:txBody>
+          <a:bodyPr>
+            <a:normAutofit/>
+          </a:bodyPr>
+          <a:lstStyle/>
+          <a:p>
+            <a:pPr>
+              <a:spcAft>
+                <a:spcPts val="600"/>
+              </a:spcAft>
+            </a:pPr>
+            <a:fld id="{B7714B7D-F657-49B8-A454-8111EBD273BB}" type="slidenum">
+              <a:rPr lang="en-US" smtClean="0"/>
+              <a:pPr>
+                <a:spcAft>
+                  <a:spcPts val="600"/>
+                </a:spcAft>
+              </a:pPr>
+              <a:t>9</a:t>
+            </a:fld>
+            <a:endParaRPr lang="en-US" dirty="0"/>
+          </a:p>
+        </p:txBody>
+      </p:sp>
+      <p:grpSp>
+        <p:nvGrpSpPr>
+          <p:cNvPr id="8" name="Group 7">
+            <a:extLst>
+              <a:ext uri="{FF2B5EF4-FFF2-40B4-BE49-F238E27FC236}">
+                <a16:creationId xmlns:a16="http://schemas.microsoft.com/office/drawing/2014/main" id="{B8DC42D4-CE2F-632E-867F-B020CD82B5E5}"/>
+              </a:ext>
+            </a:extLst>
+          </p:cNvPr>
+          <p:cNvGrpSpPr/>
+          <p:nvPr/>
+        </p:nvGrpSpPr>
+        <p:grpSpPr>
+          <a:xfrm>
+            <a:off x="7988504" y="545459"/>
+            <a:ext cx="3179368" cy="5925245"/>
+            <a:chOff x="7988504" y="545459"/>
+            <a:chExt cx="3179368" cy="5925245"/>
+          </a:xfrm>
+        </p:grpSpPr>
+        <p:pic>
+          <p:nvPicPr>
+            <p:cNvPr id="7" name="Picture 6">
+              <a:extLst>
+                <a:ext uri="{FF2B5EF4-FFF2-40B4-BE49-F238E27FC236}">
+                  <a16:creationId xmlns:a16="http://schemas.microsoft.com/office/drawing/2014/main" id="{5B58D2E0-87CD-1BC4-F6C2-69C4796EBAF0}"/>
+                </a:ext>
+              </a:extLst>
+            </p:cNvPr>
+            <p:cNvPicPr>
+              <a:picLocks noChangeAspect="1"/>
+            </p:cNvPicPr>
+            <p:nvPr/>
+          </p:nvPicPr>
+          <p:blipFill>
+            <a:blip r:embed="rId2"/>
+            <a:stretch>
+              <a:fillRect/>
+            </a:stretch>
+          </p:blipFill>
+          <p:spPr>
+            <a:xfrm>
+              <a:off x="7988504" y="545459"/>
+              <a:ext cx="3179368" cy="5577840"/>
+            </a:xfrm>
+            <a:prstGeom prst="rect">
+              <a:avLst/>
+            </a:prstGeom>
+          </p:spPr>
+        </p:pic>
+        <p:sp>
+          <p:nvSpPr>
+            <p:cNvPr id="6" name="TextBox 5">
+              <a:extLst>
+                <a:ext uri="{FF2B5EF4-FFF2-40B4-BE49-F238E27FC236}">
+                  <a16:creationId xmlns:a16="http://schemas.microsoft.com/office/drawing/2014/main" id="{B63C27C3-D134-2D58-8246-33D8DA19EEAF}"/>
+                </a:ext>
+              </a:extLst>
+            </p:cNvPr>
+            <p:cNvSpPr txBox="1"/>
+            <p:nvPr/>
+          </p:nvSpPr>
+          <p:spPr>
+            <a:xfrm>
+              <a:off x="8161862" y="6101372"/>
+              <a:ext cx="2832652" cy="369332"/>
+            </a:xfrm>
+            <a:prstGeom prst="rect">
+              <a:avLst/>
+            </a:prstGeom>
+            <a:noFill/>
+          </p:spPr>
+          <p:txBody>
+            <a:bodyPr wrap="square" rtlCol="0">
+              <a:spAutoFit/>
+            </a:bodyPr>
+            <a:lstStyle/>
+            <a:p>
+              <a:pPr algn="ctr"/>
+              <a:r>
+                <a:rPr lang="en-US" b="1" dirty="0"/>
+                <a:t>Fig 3 : </a:t>
+              </a:r>
+              <a:r>
+                <a:rPr lang="en-US" dirty="0"/>
+                <a:t>Login page activity</a:t>
+              </a:r>
+            </a:p>
+          </p:txBody>
+        </p:sp>
+      </p:grpSp>
+    </p:spTree>
+    <p:extLst>
+      <p:ext uri="{BB962C8B-B14F-4D97-AF65-F5344CB8AC3E}">
+        <p14:creationId xmlns:p14="http://schemas.microsoft.com/office/powerpoint/2010/main" val="1306490679"/>
+      </p:ext>
+    </p:extLst>
+  </p:cSld>
+  <p:clrMapOvr>
+    <a:masterClrMapping/>
+  </p:clrMapOvr>
+</p:sld>
+</file>
+
 <file path=ppt/theme/theme1.xml><?xml version="1.0" encoding="utf-8"?>
 <a:theme xmlns:a="http://schemas.openxmlformats.org/drawingml/2006/main" name="Integral">
   <a:themeElements>
